--- a/slides/6_random_forests.pptx
+++ b/slides/6_random_forests.pptx
@@ -6,7 +6,11 @@
   </p:sldMasterIdLst>
   <p:sldIdLst>
     <p:sldId id="256" r:id="rId2"/>
-    <p:sldId id="257" r:id="rId3"/>
+    <p:sldId id="258" r:id="rId3"/>
+    <p:sldId id="259" r:id="rId4"/>
+    <p:sldId id="257" r:id="rId5"/>
+    <p:sldId id="261" r:id="rId6"/>
+    <p:sldId id="262" r:id="rId7"/>
   </p:sldIdLst>
   <p:sldSz cx="9144000" cy="6858000" type="screen4x3"/>
   <p:notesSz cx="6858000" cy="9144000"/>
@@ -3152,10 +3156,206 @@
   <p:clrMapOvr>
     <a:masterClrMapping/>
   </p:clrMapOvr>
+  <p:timing>
+    <p:tnLst>
+      <p:par>
+        <p:cTn xmlns:p14="http://schemas.microsoft.com/office/powerpoint/2010/main" id="1" dur="indefinite" restart="never" nodeType="tmRoot"/>
+      </p:par>
+    </p:tnLst>
+  </p:timing>
 </p:sld>
 </file>
 
 <file path=ppt/slides/slide2.xml><?xml version="1.0" encoding="utf-8"?>
+<p:sld xmlns:a="http://schemas.openxmlformats.org/drawingml/2006/main" xmlns:r="http://schemas.openxmlformats.org/officeDocument/2006/relationships" xmlns:p="http://schemas.openxmlformats.org/presentationml/2006/main">
+  <p:cSld>
+    <p:spTree>
+      <p:nvGrpSpPr>
+        <p:cNvPr id="1" name=""/>
+        <p:cNvGrpSpPr/>
+        <p:nvPr/>
+      </p:nvGrpSpPr>
+      <p:grpSpPr>
+        <a:xfrm>
+          <a:off x="0" y="0"/>
+          <a:ext cx="0" cy="0"/>
+          <a:chOff x="0" y="0"/>
+          <a:chExt cx="0" cy="0"/>
+        </a:xfrm>
+      </p:grpSpPr>
+      <p:sp>
+        <p:nvSpPr>
+          <p:cNvPr id="2" name="Title 1"/>
+          <p:cNvSpPr>
+            <a:spLocks noGrp="1"/>
+          </p:cNvSpPr>
+          <p:nvPr>
+            <p:ph type="title"/>
+          </p:nvPr>
+        </p:nvSpPr>
+        <p:spPr/>
+        <p:txBody>
+          <a:bodyPr/>
+          <a:lstStyle/>
+          <a:p>
+            <a:r>
+              <a:rPr lang="en-US" dirty="0" smtClean="0"/>
+              <a:t>What are random forests?</a:t>
+            </a:r>
+            <a:endParaRPr lang="en-US" dirty="0"/>
+          </a:p>
+        </p:txBody>
+      </p:sp>
+      <p:sp>
+        <p:nvSpPr>
+          <p:cNvPr id="3" name="Content Placeholder 2"/>
+          <p:cNvSpPr>
+            <a:spLocks noGrp="1"/>
+          </p:cNvSpPr>
+          <p:nvPr>
+            <p:ph idx="1"/>
+          </p:nvPr>
+        </p:nvSpPr>
+        <p:spPr/>
+        <p:txBody>
+          <a:bodyPr/>
+          <a:lstStyle/>
+          <a:p>
+            <a:r>
+              <a:rPr lang="en-US" dirty="0" smtClean="0"/>
+              <a:t>Ensemble method: use multiple learning algorithms to get better results</a:t>
+            </a:r>
+          </a:p>
+          <a:p>
+            <a:r>
+              <a:rPr lang="en-US" dirty="0" smtClean="0"/>
+              <a:t>Constructs multiple decision trees</a:t>
+            </a:r>
+          </a:p>
+          <a:p>
+            <a:r>
+              <a:rPr lang="en-US" dirty="0" smtClean="0"/>
+              <a:t>Output the most frequent label from those trees</a:t>
+            </a:r>
+          </a:p>
+        </p:txBody>
+      </p:sp>
+    </p:spTree>
+    <p:extLst>
+      <p:ext uri="{BB962C8B-B14F-4D97-AF65-F5344CB8AC3E}">
+        <p14:creationId xmlns:p14="http://schemas.microsoft.com/office/powerpoint/2010/main" val="747268561"/>
+      </p:ext>
+    </p:extLst>
+  </p:cSld>
+  <p:clrMapOvr>
+    <a:masterClrMapping/>
+  </p:clrMapOvr>
+  <p:timing>
+    <p:tnLst>
+      <p:par>
+        <p:cTn xmlns:p14="http://schemas.microsoft.com/office/powerpoint/2010/main" id="1" dur="indefinite" restart="never" nodeType="tmRoot"/>
+      </p:par>
+    </p:tnLst>
+  </p:timing>
+</p:sld>
+</file>
+
+<file path=ppt/slides/slide3.xml><?xml version="1.0" encoding="utf-8"?>
+<p:sld xmlns:a="http://schemas.openxmlformats.org/drawingml/2006/main" xmlns:r="http://schemas.openxmlformats.org/officeDocument/2006/relationships" xmlns:p="http://schemas.openxmlformats.org/presentationml/2006/main">
+  <p:cSld>
+    <p:spTree>
+      <p:nvGrpSpPr>
+        <p:cNvPr id="1" name=""/>
+        <p:cNvGrpSpPr/>
+        <p:nvPr/>
+      </p:nvGrpSpPr>
+      <p:grpSpPr>
+        <a:xfrm>
+          <a:off x="0" y="0"/>
+          <a:ext cx="0" cy="0"/>
+          <a:chOff x="0" y="0"/>
+          <a:chExt cx="0" cy="0"/>
+        </a:xfrm>
+      </p:grpSpPr>
+      <p:sp>
+        <p:nvSpPr>
+          <p:cNvPr id="2" name="Title 1"/>
+          <p:cNvSpPr>
+            <a:spLocks noGrp="1"/>
+          </p:cNvSpPr>
+          <p:nvPr>
+            <p:ph type="title"/>
+          </p:nvPr>
+        </p:nvSpPr>
+        <p:spPr/>
+        <p:txBody>
+          <a:bodyPr/>
+          <a:lstStyle/>
+          <a:p>
+            <a:r>
+              <a:rPr lang="en-US" dirty="0" smtClean="0"/>
+              <a:t>What are decision trees?</a:t>
+            </a:r>
+            <a:endParaRPr lang="en-US" dirty="0"/>
+          </a:p>
+        </p:txBody>
+      </p:sp>
+      <p:sp>
+        <p:nvSpPr>
+          <p:cNvPr id="3" name="Content Placeholder 2"/>
+          <p:cNvSpPr>
+            <a:spLocks noGrp="1"/>
+          </p:cNvSpPr>
+          <p:nvPr>
+            <p:ph idx="1"/>
+          </p:nvPr>
+        </p:nvSpPr>
+        <p:spPr/>
+        <p:txBody>
+          <a:bodyPr/>
+          <a:lstStyle/>
+          <a:p>
+            <a:r>
+              <a:rPr lang="en-US" dirty="0" smtClean="0"/>
+              <a:t>Maps observations about data to data’s target value</a:t>
+            </a:r>
+          </a:p>
+          <a:p>
+            <a:r>
+              <a:rPr lang="en-US" dirty="0" smtClean="0"/>
+              <a:t>Leaves represent labels</a:t>
+            </a:r>
+          </a:p>
+          <a:p>
+            <a:r>
+              <a:rPr lang="en-US" dirty="0" smtClean="0"/>
+              <a:t>Branches represent conjunction of features that lead to labels</a:t>
+            </a:r>
+            <a:endParaRPr lang="en-US" dirty="0"/>
+          </a:p>
+        </p:txBody>
+      </p:sp>
+    </p:spTree>
+    <p:extLst>
+      <p:ext uri="{BB962C8B-B14F-4D97-AF65-F5344CB8AC3E}">
+        <p14:creationId xmlns:p14="http://schemas.microsoft.com/office/powerpoint/2010/main" val="2327808993"/>
+      </p:ext>
+    </p:extLst>
+  </p:cSld>
+  <p:clrMapOvr>
+    <a:masterClrMapping/>
+  </p:clrMapOvr>
+  <p:timing>
+    <p:tnLst>
+      <p:par>
+        <p:cTn xmlns:p14="http://schemas.microsoft.com/office/powerpoint/2010/main" id="1" dur="indefinite" restart="never" nodeType="tmRoot"/>
+      </p:par>
+    </p:tnLst>
+  </p:timing>
+</p:sld>
+</file>
+
+<file path=ppt/slides/slide4.xml><?xml version="1.0" encoding="utf-8"?>
 <p:sld xmlns:a="http://schemas.openxmlformats.org/drawingml/2006/main" xmlns:r="http://schemas.openxmlformats.org/officeDocument/2006/relationships" xmlns:p="http://schemas.openxmlformats.org/presentationml/2006/main">
   <p:cSld>
     <p:spTree>
@@ -3940,6 +4140,226 @@
   <p:clrMapOvr>
     <a:masterClrMapping/>
   </p:clrMapOvr>
+  <p:timing>
+    <p:tnLst>
+      <p:par>
+        <p:cTn xmlns:p14="http://schemas.microsoft.com/office/powerpoint/2010/main" id="1" dur="indefinite" restart="never" nodeType="tmRoot"/>
+      </p:par>
+    </p:tnLst>
+  </p:timing>
+</p:sld>
+</file>
+
+<file path=ppt/slides/slide5.xml><?xml version="1.0" encoding="utf-8"?>
+<p:sld xmlns:a="http://schemas.openxmlformats.org/drawingml/2006/main" xmlns:r="http://schemas.openxmlformats.org/officeDocument/2006/relationships" xmlns:p="http://schemas.openxmlformats.org/presentationml/2006/main">
+  <p:cSld>
+    <p:spTree>
+      <p:nvGrpSpPr>
+        <p:cNvPr id="1" name=""/>
+        <p:cNvGrpSpPr/>
+        <p:nvPr/>
+      </p:nvGrpSpPr>
+      <p:grpSpPr>
+        <a:xfrm>
+          <a:off x="0" y="0"/>
+          <a:ext cx="0" cy="0"/>
+          <a:chOff x="0" y="0"/>
+          <a:chExt cx="0" cy="0"/>
+        </a:xfrm>
+      </p:grpSpPr>
+      <p:sp>
+        <p:nvSpPr>
+          <p:cNvPr id="2" name="Title 1"/>
+          <p:cNvSpPr>
+            <a:spLocks noGrp="1"/>
+          </p:cNvSpPr>
+          <p:nvPr>
+            <p:ph type="title"/>
+          </p:nvPr>
+        </p:nvSpPr>
+        <p:spPr/>
+        <p:txBody>
+          <a:bodyPr/>
+          <a:lstStyle/>
+          <a:p>
+            <a:r>
+              <a:rPr lang="en-US" dirty="0" smtClean="0"/>
+              <a:t>Random forests</a:t>
+            </a:r>
+            <a:endParaRPr lang="en-US" dirty="0"/>
+          </a:p>
+        </p:txBody>
+      </p:sp>
+      <p:sp>
+        <p:nvSpPr>
+          <p:cNvPr id="3" name="Content Placeholder 2"/>
+          <p:cNvSpPr>
+            <a:spLocks noGrp="1"/>
+          </p:cNvSpPr>
+          <p:nvPr>
+            <p:ph idx="1"/>
+          </p:nvPr>
+        </p:nvSpPr>
+        <p:spPr/>
+        <p:txBody>
+          <a:bodyPr/>
+          <a:lstStyle/>
+          <a:p>
+            <a:r>
+              <a:rPr lang="en-US" dirty="0" smtClean="0"/>
+              <a:t>Bagging + random feature selection</a:t>
+            </a:r>
+          </a:p>
+          <a:p>
+            <a:pPr lvl="1"/>
+            <a:r>
+              <a:rPr lang="en-US" dirty="0" smtClean="0"/>
+              <a:t>Bagging: generating new sample set from training set with replacement</a:t>
+            </a:r>
+          </a:p>
+          <a:p>
+            <a:r>
+              <a:rPr lang="en-US" dirty="0" smtClean="0"/>
+              <a:t>Good for</a:t>
+            </a:r>
+          </a:p>
+          <a:p>
+            <a:pPr lvl="1"/>
+            <a:r>
+              <a:rPr lang="en-US" dirty="0" smtClean="0"/>
+              <a:t>Heterogeneous data</a:t>
+            </a:r>
+          </a:p>
+          <a:p>
+            <a:pPr lvl="1"/>
+            <a:r>
+              <a:rPr lang="en-US" dirty="0" smtClean="0"/>
+              <a:t>Linearly separable</a:t>
+            </a:r>
+          </a:p>
+          <a:p>
+            <a:pPr lvl="1"/>
+            <a:r>
+              <a:rPr lang="en-US" dirty="0" smtClean="0"/>
+              <a:t>Large amounts of data</a:t>
+            </a:r>
+            <a:endParaRPr lang="en-US" dirty="0"/>
+          </a:p>
+        </p:txBody>
+      </p:sp>
+    </p:spTree>
+    <p:extLst>
+      <p:ext uri="{BB962C8B-B14F-4D97-AF65-F5344CB8AC3E}">
+        <p14:creationId xmlns:p14="http://schemas.microsoft.com/office/powerpoint/2010/main" val="432466154"/>
+      </p:ext>
+    </p:extLst>
+  </p:cSld>
+  <p:clrMapOvr>
+    <a:masterClrMapping/>
+  </p:clrMapOvr>
+  <p:timing>
+    <p:tnLst>
+      <p:par>
+        <p:cTn xmlns:p14="http://schemas.microsoft.com/office/powerpoint/2010/main" id="1" dur="indefinite" restart="never" nodeType="tmRoot"/>
+      </p:par>
+    </p:tnLst>
+  </p:timing>
+</p:sld>
+</file>
+
+<file path=ppt/slides/slide6.xml><?xml version="1.0" encoding="utf-8"?>
+<p:sld xmlns:a="http://schemas.openxmlformats.org/drawingml/2006/main" xmlns:r="http://schemas.openxmlformats.org/officeDocument/2006/relationships" xmlns:p="http://schemas.openxmlformats.org/presentationml/2006/main">
+  <p:cSld>
+    <p:spTree>
+      <p:nvGrpSpPr>
+        <p:cNvPr id="1" name=""/>
+        <p:cNvGrpSpPr/>
+        <p:nvPr/>
+      </p:nvGrpSpPr>
+      <p:grpSpPr>
+        <a:xfrm>
+          <a:off x="0" y="0"/>
+          <a:ext cx="0" cy="0"/>
+          <a:chOff x="0" y="0"/>
+          <a:chExt cx="0" cy="0"/>
+        </a:xfrm>
+      </p:grpSpPr>
+      <p:sp>
+        <p:nvSpPr>
+          <p:cNvPr id="2" name="Title 1"/>
+          <p:cNvSpPr>
+            <a:spLocks noGrp="1"/>
+          </p:cNvSpPr>
+          <p:nvPr>
+            <p:ph type="title"/>
+          </p:nvPr>
+        </p:nvSpPr>
+        <p:spPr/>
+        <p:txBody>
+          <a:bodyPr/>
+          <a:lstStyle/>
+          <a:p>
+            <a:r>
+              <a:rPr lang="en-US" dirty="0" smtClean="0"/>
+              <a:t>Parameters</a:t>
+            </a:r>
+            <a:endParaRPr lang="en-US" dirty="0"/>
+          </a:p>
+        </p:txBody>
+      </p:sp>
+      <p:sp>
+        <p:nvSpPr>
+          <p:cNvPr id="3" name="Content Placeholder 2"/>
+          <p:cNvSpPr>
+            <a:spLocks noGrp="1"/>
+          </p:cNvSpPr>
+          <p:nvPr>
+            <p:ph idx="1"/>
+          </p:nvPr>
+        </p:nvSpPr>
+        <p:spPr/>
+        <p:txBody>
+          <a:bodyPr/>
+          <a:lstStyle/>
+          <a:p>
+            <a:r>
+              <a:rPr lang="en-US" dirty="0" err="1" smtClean="0"/>
+              <a:t>n_estimators</a:t>
+            </a:r>
+            <a:endParaRPr lang="en-US" dirty="0" smtClean="0"/>
+          </a:p>
+          <a:p>
+            <a:r>
+              <a:rPr lang="en-US" dirty="0" smtClean="0"/>
+              <a:t>criterion</a:t>
+            </a:r>
+          </a:p>
+          <a:p>
+            <a:r>
+              <a:rPr lang="en-US" dirty="0" err="1" smtClean="0"/>
+              <a:t>max_features</a:t>
+            </a:r>
+            <a:endParaRPr lang="en-US" dirty="0" smtClean="0"/>
+          </a:p>
+        </p:txBody>
+      </p:sp>
+    </p:spTree>
+    <p:extLst>
+      <p:ext uri="{BB962C8B-B14F-4D97-AF65-F5344CB8AC3E}">
+        <p14:creationId xmlns:p14="http://schemas.microsoft.com/office/powerpoint/2010/main" val="1663049128"/>
+      </p:ext>
+    </p:extLst>
+  </p:cSld>
+  <p:clrMapOvr>
+    <a:masterClrMapping/>
+  </p:clrMapOvr>
+  <p:timing>
+    <p:tnLst>
+      <p:par>
+        <p:cTn xmlns:p14="http://schemas.microsoft.com/office/powerpoint/2010/main" id="1" dur="indefinite" restart="never" nodeType="tmRoot"/>
+      </p:par>
+    </p:tnLst>
+  </p:timing>
 </p:sld>
 </file>
 
